--- a/Exercise 3/BO Group Ex3.pptx
+++ b/Exercise 3/BO Group Ex3.pptx
@@ -217,7 +217,7 @@
           <a:p>
             <a:fld id="{29EFBA6D-BD8D-4319-9B8F-54D25DEE77D2}" type="datetimeFigureOut">
               <a:rPr lang="en-CA" smtClean="0"/>
-              <a:t>2021-11-19</a:t>
+              <a:t>2021-11-24</a:t>
             </a:fld>
             <a:endParaRPr lang="en-CA"/>
           </a:p>
@@ -524,7 +524,7 @@
           <a:p>
             <a:fld id="{C10D6541-6A28-4C84-AE9F-73751BB3182A}" type="datetimeFigureOut">
               <a:rPr lang="en-CA" smtClean="0"/>
-              <a:t>2021-11-19</a:t>
+              <a:t>2021-11-24</a:t>
             </a:fld>
             <a:endParaRPr lang="en-CA"/>
           </a:p>
@@ -802,7 +802,7 @@
           <a:p>
             <a:fld id="{C10D6541-6A28-4C84-AE9F-73751BB3182A}" type="datetimeFigureOut">
               <a:rPr lang="en-CA" smtClean="0"/>
-              <a:t>2021-11-19</a:t>
+              <a:t>2021-11-24</a:t>
             </a:fld>
             <a:endParaRPr lang="en-CA"/>
           </a:p>
@@ -982,7 +982,7 @@
           <a:p>
             <a:fld id="{C10D6541-6A28-4C84-AE9F-73751BB3182A}" type="datetimeFigureOut">
               <a:rPr lang="en-CA" smtClean="0"/>
-              <a:t>2021-11-19</a:t>
+              <a:t>2021-11-24</a:t>
             </a:fld>
             <a:endParaRPr lang="en-CA"/>
           </a:p>
@@ -1157,7 +1157,7 @@
           <a:p>
             <a:fld id="{C10D6541-6A28-4C84-AE9F-73751BB3182A}" type="datetimeFigureOut">
               <a:rPr lang="en-CA" smtClean="0"/>
-              <a:t>2021-11-19</a:t>
+              <a:t>2021-11-24</a:t>
             </a:fld>
             <a:endParaRPr lang="en-CA"/>
           </a:p>
@@ -1444,7 +1444,7 @@
           <a:p>
             <a:fld id="{C10D6541-6A28-4C84-AE9F-73751BB3182A}" type="datetimeFigureOut">
               <a:rPr lang="en-CA" smtClean="0"/>
-              <a:t>2021-11-19</a:t>
+              <a:t>2021-11-24</a:t>
             </a:fld>
             <a:endParaRPr lang="en-CA"/>
           </a:p>
@@ -1768,7 +1768,7 @@
           <a:p>
             <a:fld id="{C10D6541-6A28-4C84-AE9F-73751BB3182A}" type="datetimeFigureOut">
               <a:rPr lang="en-CA" smtClean="0"/>
-              <a:t>2021-11-19</a:t>
+              <a:t>2021-11-24</a:t>
             </a:fld>
             <a:endParaRPr lang="en-CA"/>
           </a:p>
@@ -2227,7 +2227,7 @@
           <a:p>
             <a:fld id="{C10D6541-6A28-4C84-AE9F-73751BB3182A}" type="datetimeFigureOut">
               <a:rPr lang="en-CA" smtClean="0"/>
-              <a:t>2021-11-19</a:t>
+              <a:t>2021-11-24</a:t>
             </a:fld>
             <a:endParaRPr lang="en-CA"/>
           </a:p>
@@ -2432,7 +2432,7 @@
           <a:p>
             <a:fld id="{C10D6541-6A28-4C84-AE9F-73751BB3182A}" type="datetimeFigureOut">
               <a:rPr lang="en-CA" smtClean="0"/>
-              <a:t>2021-11-19</a:t>
+              <a:t>2021-11-24</a:t>
             </a:fld>
             <a:endParaRPr lang="en-CA"/>
           </a:p>
@@ -2563,7 +2563,7 @@
           <a:p>
             <a:fld id="{C10D6541-6A28-4C84-AE9F-73751BB3182A}" type="datetimeFigureOut">
               <a:rPr lang="en-CA" smtClean="0"/>
-              <a:t>2021-11-19</a:t>
+              <a:t>2021-11-24</a:t>
             </a:fld>
             <a:endParaRPr lang="en-CA"/>
           </a:p>
@@ -2840,7 +2840,7 @@
           <a:p>
             <a:fld id="{C10D6541-6A28-4C84-AE9F-73751BB3182A}" type="datetimeFigureOut">
               <a:rPr lang="en-CA" smtClean="0"/>
-              <a:t>2021-11-19</a:t>
+              <a:t>2021-11-24</a:t>
             </a:fld>
             <a:endParaRPr lang="en-CA"/>
           </a:p>
@@ -3093,7 +3093,7 @@
           <a:p>
             <a:fld id="{C10D6541-6A28-4C84-AE9F-73751BB3182A}" type="datetimeFigureOut">
               <a:rPr lang="en-CA" smtClean="0"/>
-              <a:t>2021-11-19</a:t>
+              <a:t>2021-11-24</a:t>
             </a:fld>
             <a:endParaRPr lang="en-CA"/>
           </a:p>
@@ -4159,13 +4159,13 @@
             <p:ph idx="1"/>
             <p:extLst>
               <p:ext uri="{D42A27DB-BD31-4B8C-83A1-F6EECF244321}">
-                <p14:modId xmlns:p14="http://schemas.microsoft.com/office/powerpoint/2010/main" val="560377030"/>
+                <p14:modId xmlns:p14="http://schemas.microsoft.com/office/powerpoint/2010/main" val="3620288769"/>
               </p:ext>
             </p:extLst>
           </p:nvPr>
         </p:nvGraphicFramePr>
         <p:xfrm>
-          <a:off x="838200" y="1690689"/>
+          <a:off x="772886" y="2729186"/>
           <a:ext cx="10806404" cy="737136"/>
         </p:xfrm>
         <a:graphic>
@@ -4246,13 +4246,13 @@
           <p:nvPr>
             <p:extLst>
               <p:ext uri="{D42A27DB-BD31-4B8C-83A1-F6EECF244321}">
-                <p14:modId xmlns:p14="http://schemas.microsoft.com/office/powerpoint/2010/main" val="3238886520"/>
+                <p14:modId xmlns:p14="http://schemas.microsoft.com/office/powerpoint/2010/main" val="2053078820"/>
               </p:ext>
             </p:extLst>
           </p:nvPr>
         </p:nvGraphicFramePr>
         <p:xfrm>
-          <a:off x="838200" y="2648447"/>
+          <a:off x="772886" y="3686944"/>
           <a:ext cx="10806404" cy="737136"/>
         </p:xfrm>
         <a:graphic>
@@ -4338,13 +4338,13 @@
           <p:nvPr>
             <p:extLst>
               <p:ext uri="{D42A27DB-BD31-4B8C-83A1-F6EECF244321}">
-                <p14:modId xmlns:p14="http://schemas.microsoft.com/office/powerpoint/2010/main" val="1277039108"/>
+                <p14:modId xmlns:p14="http://schemas.microsoft.com/office/powerpoint/2010/main" val="713830031"/>
               </p:ext>
             </p:extLst>
           </p:nvPr>
         </p:nvGraphicFramePr>
         <p:xfrm>
-          <a:off x="838200" y="3606205"/>
+          <a:off x="772886" y="4644702"/>
           <a:ext cx="10806404" cy="737136"/>
         </p:xfrm>
         <a:graphic>
@@ -4421,6 +4421,110 @@
           </a:graphicData>
         </a:graphic>
       </p:graphicFrame>
+      <p:graphicFrame>
+        <p:nvGraphicFramePr>
+          <p:cNvPr id="6" name="Content Placeholder 4"/>
+          <p:cNvGraphicFramePr>
+            <a:graphicFrameLocks/>
+          </p:cNvGraphicFramePr>
+          <p:nvPr>
+            <p:extLst>
+              <p:ext uri="{D42A27DB-BD31-4B8C-83A1-F6EECF244321}">
+                <p14:modId xmlns:p14="http://schemas.microsoft.com/office/powerpoint/2010/main" val="802928050"/>
+              </p:ext>
+            </p:extLst>
+          </p:nvPr>
+        </p:nvGraphicFramePr>
+        <p:xfrm>
+          <a:off x="772886" y="1771428"/>
+          <a:ext cx="10806404" cy="737136"/>
+        </p:xfrm>
+        <a:graphic>
+          <a:graphicData uri="http://schemas.openxmlformats.org/drawingml/2006/table">
+            <a:tbl>
+              <a:tblPr firstRow="1" bandRow="1">
+                <a:tableStyleId>{5C22544A-7EE6-4342-B048-85BDC9FD1C3A}</a:tableStyleId>
+              </a:tblPr>
+              <a:tblGrid>
+                <a:gridCol w="10806404">
+                  <a:extLst>
+                    <a:ext uri="{9D8B030D-6E8A-4147-A177-3AD203B41FA5}">
+                      <a16:colId xmlns:a16="http://schemas.microsoft.com/office/drawing/2014/main" val="496865212"/>
+                    </a:ext>
+                  </a:extLst>
+                </a:gridCol>
+              </a:tblGrid>
+              <a:tr h="371376">
+                <a:tc>
+                  <a:txBody>
+                    <a:bodyPr/>
+                    <a:lstStyle/>
+                    <a:p>
+                      <a:pPr lvl="0"/>
+                      <a:r>
+                        <a:rPr lang="en-CA" sz="1800" b="1" i="0" kern="1200" dirty="0" smtClean="0">
+                          <a:solidFill>
+                            <a:schemeClr val="tx1"/>
+                          </a:solidFill>
+                          <a:effectLst/>
+                          <a:latin typeface="+mn-lt"/>
+                          <a:ea typeface="+mn-ea"/>
+                          <a:cs typeface="+mn-cs"/>
+                        </a:rPr>
+                        <a:t>How are weight-at-age and maturity-at-age changing over time?</a:t>
+                      </a:r>
+                      <a:r>
+                        <a:rPr lang="en-US" sz="1800" b="1" i="0" kern="1200" dirty="0" smtClean="0">
+                          <a:solidFill>
+                            <a:schemeClr val="tx1"/>
+                          </a:solidFill>
+                          <a:effectLst/>
+                          <a:latin typeface="+mn-lt"/>
+                          <a:ea typeface="+mn-ea"/>
+                          <a:cs typeface="+mn-cs"/>
+                        </a:rPr>
+                        <a:t> </a:t>
+                      </a:r>
+                      <a:endParaRPr lang="en-CA" sz="1800" b="1" i="1" kern="1200" dirty="0" smtClean="0">
+                        <a:solidFill>
+                          <a:schemeClr val="tx1"/>
+                        </a:solidFill>
+                        <a:effectLst/>
+                        <a:latin typeface="+mn-lt"/>
+                        <a:ea typeface="+mn-ea"/>
+                        <a:cs typeface="+mn-cs"/>
+                      </a:endParaRPr>
+                    </a:p>
+                  </a:txBody>
+                  <a:tcPr/>
+                </a:tc>
+                <a:extLst>
+                  <a:ext uri="{0D108BD9-81ED-4DB2-BD59-A6C34878D82A}">
+                    <a16:rowId xmlns:a16="http://schemas.microsoft.com/office/drawing/2014/main" val="173355700"/>
+                  </a:ext>
+                </a:extLst>
+              </a:tr>
+              <a:tr h="293016">
+                <a:tc>
+                  <a:txBody>
+                    <a:bodyPr/>
+                    <a:lstStyle/>
+                    <a:p>
+                      <a:endParaRPr lang="en-CA" dirty="0"/>
+                    </a:p>
+                  </a:txBody>
+                  <a:tcPr/>
+                </a:tc>
+                <a:extLst>
+                  <a:ext uri="{0D108BD9-81ED-4DB2-BD59-A6C34878D82A}">
+                    <a16:rowId xmlns:a16="http://schemas.microsoft.com/office/drawing/2014/main" val="3795425171"/>
+                  </a:ext>
+                </a:extLst>
+              </a:tr>
+            </a:tbl>
+          </a:graphicData>
+        </a:graphic>
+      </p:graphicFrame>
     </p:spTree>
     <p:extLst>
       <p:ext uri="{BB962C8B-B14F-4D97-AF65-F5344CB8AC3E}">
@@ -4468,11 +4572,7 @@
           <a:p>
             <a:r>
               <a:rPr lang="en-US" dirty="0" smtClean="0"/>
-              <a:t>Exercise </a:t>
-            </a:r>
-            <a:r>
-              <a:rPr lang="en-US" dirty="0" smtClean="0"/>
-              <a:t>3</a:t>
+              <a:t>Exercise 3</a:t>
             </a:r>
             <a:endParaRPr lang="en-CA" dirty="0"/>
           </a:p>
@@ -4966,7 +5066,7 @@
           <p:nvPr>
             <p:extLst>
               <p:ext uri="{D42A27DB-BD31-4B8C-83A1-F6EECF244321}">
-                <p14:modId xmlns:p14="http://schemas.microsoft.com/office/powerpoint/2010/main" val="846578604"/>
+                <p14:modId xmlns:p14="http://schemas.microsoft.com/office/powerpoint/2010/main" val="778230838"/>
               </p:ext>
             </p:extLst>
           </p:nvPr>
@@ -5002,7 +5102,23 @@
                             <a:srgbClr val="002060"/>
                           </a:solidFill>
                         </a:rPr>
-                        <a:t>Stock status in Year 50?</a:t>
+                        <a:t>Stock status in Year </a:t>
+                      </a:r>
+                      <a:r>
+                        <a:rPr lang="en-US" dirty="0" smtClean="0">
+                          <a:solidFill>
+                            <a:srgbClr val="002060"/>
+                          </a:solidFill>
+                        </a:rPr>
+                        <a:t>20</a:t>
+                      </a:r>
+                      <a:r>
+                        <a:rPr lang="en-US" dirty="0" smtClean="0">
+                          <a:solidFill>
+                            <a:srgbClr val="002060"/>
+                          </a:solidFill>
+                        </a:rPr>
+                        <a:t>?</a:t>
                       </a:r>
                       <a:endParaRPr lang="en-CA" dirty="0">
                         <a:solidFill>
@@ -5238,7 +5354,7 @@
           <p:nvPr>
             <p:extLst>
               <p:ext uri="{D42A27DB-BD31-4B8C-83A1-F6EECF244321}">
-                <p14:modId xmlns:p14="http://schemas.microsoft.com/office/powerpoint/2010/main" val="812704868"/>
+                <p14:modId xmlns:p14="http://schemas.microsoft.com/office/powerpoint/2010/main" val="3206461643"/>
               </p:ext>
             </p:extLst>
           </p:nvPr>
@@ -5274,7 +5390,23 @@
                             <a:srgbClr val="002060"/>
                           </a:solidFill>
                         </a:rPr>
-                        <a:t>Stock status in Year 20?</a:t>
+                        <a:t>Stock status in Year </a:t>
+                      </a:r>
+                      <a:r>
+                        <a:rPr lang="en-US" dirty="0" smtClean="0">
+                          <a:solidFill>
+                            <a:srgbClr val="002060"/>
+                          </a:solidFill>
+                        </a:rPr>
+                        <a:t>50</a:t>
+                      </a:r>
+                      <a:r>
+                        <a:rPr lang="en-US" dirty="0" smtClean="0">
+                          <a:solidFill>
+                            <a:srgbClr val="002060"/>
+                          </a:solidFill>
+                        </a:rPr>
+                        <a:t>?</a:t>
                       </a:r>
                       <a:endParaRPr lang="en-CA" dirty="0">
                         <a:solidFill>
@@ -5672,29 +5804,36 @@
           <a:p>
             <a:r>
               <a:rPr lang="en-US" dirty="0" smtClean="0"/>
-              <a:t>LRP:</a:t>
-            </a:r>
-          </a:p>
-          <a:p>
+              <a:t>LRP</a:t>
+            </a:r>
             <a:r>
               <a:rPr lang="en-US" dirty="0" smtClean="0"/>
-              <a:t>Stock status year 50:</a:t>
-            </a:r>
+              <a:t>:</a:t>
+            </a:r>
+          </a:p>
+          <a:p>
+            <a:r>
+              <a:rPr lang="en-US" dirty="0" smtClean="0"/>
+              <a:t>Rationale:</a:t>
+            </a:r>
+            <a:endParaRPr lang="en-US" dirty="0" smtClean="0"/>
           </a:p>
           <a:p>
             <a:r>
               <a:rPr lang="en-US" dirty="0"/>
-              <a:t>Stock status year </a:t>
-            </a:r>
+              <a:t>Stock status year 20:</a:t>
+            </a:r>
+            <a:endParaRPr lang="en-CA" dirty="0"/>
+          </a:p>
+          <a:p>
             <a:r>
               <a:rPr lang="en-US" dirty="0" smtClean="0"/>
-              <a:t>20</a:t>
-            </a:r>
-            <a:r>
-              <a:rPr lang="en-US" dirty="0"/>
-              <a:t>:</a:t>
-            </a:r>
-            <a:endParaRPr lang="en-CA" dirty="0"/>
+              <a:t>Stock </a:t>
+            </a:r>
+            <a:r>
+              <a:rPr lang="en-US" dirty="0" smtClean="0"/>
+              <a:t>status year 50:</a:t>
+            </a:r>
           </a:p>
           <a:p>
             <a:endParaRPr lang="en-CA" dirty="0"/>
